--- a/Week 1/Session 1/Introduction to Websites.pptx
+++ b/Week 1/Session 1/Introduction to Websites.pptx
@@ -6651,7 +6651,7 @@
         </p:blipFill>
         <p:spPr>
           <a:xfrm>
-            <a:off x="20" y="10"/>
+            <a:off x="20" y="13073"/>
             <a:ext cx="12191979" cy="6857990"/>
           </a:xfrm>
           <a:prstGeom prst="rect">
@@ -9328,23 +9328,6 @@
 </file>
 
 <file path=customXml/item1.xml><?xml version="1.0" encoding="utf-8"?>
-<p:properties xmlns:p="http://schemas.microsoft.com/office/2006/metadata/properties" xmlns:xsi="http://www.w3.org/2001/XMLSchema-instance" xmlns:pc="http://schemas.microsoft.com/office/infopath/2007/PartnerControls">
-  <documentManagement>
-    <MediaServiceKeyPoints xmlns="d8f4ec13-c889-41df-a7df-786cdb9fd53c" xsi:nil="true"/>
-  </documentManagement>
-</p:properties>
-</file>
-
-<file path=customXml/item2.xml><?xml version="1.0" encoding="utf-8"?>
-<?mso-contentType ?>
-<FormTemplates xmlns="http://schemas.microsoft.com/sharepoint/v3/contenttype/forms">
-  <Display>DocumentLibraryForm</Display>
-  <Edit>DocumentLibraryForm</Edit>
-  <New>DocumentLibraryForm</New>
-</FormTemplates>
-</file>
-
-<file path=customXml/item3.xml><?xml version="1.0" encoding="utf-8"?>
 <ct:contentTypeSchema xmlns:ct="http://schemas.microsoft.com/office/2006/metadata/contentType" xmlns:ma="http://schemas.microsoft.com/office/2006/metadata/properties/metaAttributes" ct:_="" ma:_="" ma:contentTypeName="Document" ma:contentTypeID="0x01010088A82D31ECCF6A47A2F7B47DD8842173" ma:contentTypeVersion="11" ma:contentTypeDescription="Create a new document." ma:contentTypeScope="" ma:versionID="362122c94fc0e91bf3c09afe024a1a4d">
   <xsd:schema xmlns:xsd="http://www.w3.org/2001/XMLSchema" xmlns:xs="http://www.w3.org/2001/XMLSchema" xmlns:p="http://schemas.microsoft.com/office/2006/metadata/properties" xmlns:ns3="d8f4ec13-c889-41df-a7df-786cdb9fd53c" xmlns:ns4="13d8b1c2-68e0-4fb8-8e43-6867726fb66d" targetNamespace="http://schemas.microsoft.com/office/2006/metadata/properties" ma:root="true" ma:fieldsID="37ed97301552e9ad6f15dc3730523832" ns3:_="" ns4:_="">
     <xsd:import namespace="d8f4ec13-c889-41df-a7df-786cdb9fd53c"/>
@@ -9555,32 +9538,24 @@
 </ct:contentTypeSchema>
 </file>
 
-<file path=customXml/itemProps1.xml><?xml version="1.0" encoding="utf-8"?>
-<ds:datastoreItem xmlns:ds="http://schemas.openxmlformats.org/officeDocument/2006/customXml" ds:itemID="{0E92E9E5-79AF-4029-8FCA-9C327D54FD8F}">
-  <ds:schemaRefs>
-    <ds:schemaRef ds:uri="13d8b1c2-68e0-4fb8-8e43-6867726fb66d"/>
-    <ds:schemaRef ds:uri="http://purl.org/dc/elements/1.1/"/>
-    <ds:schemaRef ds:uri="http://schemas.microsoft.com/office/2006/documentManagement/types"/>
-    <ds:schemaRef ds:uri="http://purl.org/dc/terms/"/>
-    <ds:schemaRef ds:uri="d8f4ec13-c889-41df-a7df-786cdb9fd53c"/>
-    <ds:schemaRef ds:uri="http://www.w3.org/XML/1998/namespace"/>
-    <ds:schemaRef ds:uri="http://purl.org/dc/dcmitype/"/>
-    <ds:schemaRef ds:uri="http://schemas.microsoft.com/office/infopath/2007/PartnerControls"/>
-    <ds:schemaRef ds:uri="http://schemas.openxmlformats.org/package/2006/metadata/core-properties"/>
-    <ds:schemaRef ds:uri="http://schemas.microsoft.com/office/2006/metadata/properties"/>
-  </ds:schemaRefs>
-</ds:datastoreItem>
+<file path=customXml/item2.xml><?xml version="1.0" encoding="utf-8"?>
+<?mso-contentType ?>
+<FormTemplates xmlns="http://schemas.microsoft.com/sharepoint/v3/contenttype/forms">
+  <Display>DocumentLibraryForm</Display>
+  <Edit>DocumentLibraryForm</Edit>
+  <New>DocumentLibraryForm</New>
+</FormTemplates>
 </file>
 
-<file path=customXml/itemProps2.xml><?xml version="1.0" encoding="utf-8"?>
-<ds:datastoreItem xmlns:ds="http://schemas.openxmlformats.org/officeDocument/2006/customXml" ds:itemID="{659927E4-E194-47BE-91C2-B87D50CF51DB}">
-  <ds:schemaRefs>
-    <ds:schemaRef ds:uri="http://schemas.microsoft.com/sharepoint/v3/contenttype/forms"/>
-  </ds:schemaRefs>
-</ds:datastoreItem>
+<file path=customXml/item3.xml><?xml version="1.0" encoding="utf-8"?>
+<p:properties xmlns:p="http://schemas.microsoft.com/office/2006/metadata/properties" xmlns:xsi="http://www.w3.org/2001/XMLSchema-instance" xmlns:pc="http://schemas.microsoft.com/office/infopath/2007/PartnerControls">
+  <documentManagement>
+    <MediaServiceKeyPoints xmlns="d8f4ec13-c889-41df-a7df-786cdb9fd53c" xsi:nil="true"/>
+  </documentManagement>
+</p:properties>
 </file>
 
-<file path=customXml/itemProps3.xml><?xml version="1.0" encoding="utf-8"?>
+<file path=customXml/itemProps1.xml><?xml version="1.0" encoding="utf-8"?>
 <ds:datastoreItem xmlns:ds="http://schemas.openxmlformats.org/officeDocument/2006/customXml" ds:itemID="{129C1ABE-A307-4DB5-B051-5FFCD5A1E153}">
   <ds:schemaRefs>
     <ds:schemaRef ds:uri="http://schemas.microsoft.com/office/2006/metadata/contentType"/>
@@ -9597,4 +9572,29 @@
     <ds:schemaRef ds:uri="http://schemas.microsoft.com/internal/obd"/>
   </ds:schemaRefs>
 </ds:datastoreItem>
+</file>
+
+<file path=customXml/itemProps2.xml><?xml version="1.0" encoding="utf-8"?>
+<ds:datastoreItem xmlns:ds="http://schemas.openxmlformats.org/officeDocument/2006/customXml" ds:itemID="{659927E4-E194-47BE-91C2-B87D50CF51DB}">
+  <ds:schemaRefs>
+    <ds:schemaRef ds:uri="http://schemas.microsoft.com/sharepoint/v3/contenttype/forms"/>
+  </ds:schemaRefs>
+</ds:datastoreItem>
+</file>
+
+<file path=customXml/itemProps3.xml><?xml version="1.0" encoding="utf-8"?>
+<ds:datastoreItem xmlns:ds="http://schemas.openxmlformats.org/officeDocument/2006/customXml" ds:itemID="{0E92E9E5-79AF-4029-8FCA-9C327D54FD8F}">
+  <ds:schemaRefs>
+    <ds:schemaRef ds:uri="13d8b1c2-68e0-4fb8-8e43-6867726fb66d"/>
+    <ds:schemaRef ds:uri="http://purl.org/dc/elements/1.1/"/>
+    <ds:schemaRef ds:uri="http://schemas.microsoft.com/office/2006/documentManagement/types"/>
+    <ds:schemaRef ds:uri="http://purl.org/dc/terms/"/>
+    <ds:schemaRef ds:uri="d8f4ec13-c889-41df-a7df-786cdb9fd53c"/>
+    <ds:schemaRef ds:uri="http://www.w3.org/XML/1998/namespace"/>
+    <ds:schemaRef ds:uri="http://purl.org/dc/dcmitype/"/>
+    <ds:schemaRef ds:uri="http://schemas.microsoft.com/office/infopath/2007/PartnerControls"/>
+    <ds:schemaRef ds:uri="http://schemas.openxmlformats.org/package/2006/metadata/core-properties"/>
+    <ds:schemaRef ds:uri="http://schemas.microsoft.com/office/2006/metadata/properties"/>
+  </ds:schemaRefs>
+</ds:datastoreItem>
 </file>